--- a/Passenger'sWebPowerPoint.pptx
+++ b/Passenger'sWebPowerPoint.pptx
@@ -14,11 +14,16 @@
     <p:sldId id="262" r:id="rId8"/>
     <p:sldId id="264" r:id="rId9"/>
     <p:sldId id="265" r:id="rId10"/>
-    <p:sldId id="263" r:id="rId11"/>
-    <p:sldId id="266" r:id="rId12"/>
-    <p:sldId id="267" r:id="rId13"/>
-    <p:sldId id="268" r:id="rId14"/>
-    <p:sldId id="269" r:id="rId15"/>
+    <p:sldId id="274" r:id="rId11"/>
+    <p:sldId id="263" r:id="rId12"/>
+    <p:sldId id="272" r:id="rId13"/>
+    <p:sldId id="273" r:id="rId14"/>
+    <p:sldId id="266" r:id="rId15"/>
+    <p:sldId id="270" r:id="rId16"/>
+    <p:sldId id="267" r:id="rId17"/>
+    <p:sldId id="268" r:id="rId18"/>
+    <p:sldId id="269" r:id="rId19"/>
+    <p:sldId id="271" r:id="rId20"/>
   </p:sldIdLst>
   <p:sldSz cx="12192000" cy="6858000"/>
   <p:notesSz cx="6858000" cy="9144000"/>
@@ -310,7 +315,7 @@
           <a:p>
             <a:fld id="{0E347099-C581-4EAA-B28C-D76FEE9E8199}" type="datetimeFigureOut">
               <a:rPr lang="en-GB" smtClean="0"/>
-              <a:t>16/06/2024</a:t>
+              <a:t>17/06/2024</a:t>
             </a:fld>
             <a:endParaRPr lang="en-GB"/>
           </a:p>
@@ -608,7 +613,7 @@
           <a:p>
             <a:fld id="{0E347099-C581-4EAA-B28C-D76FEE9E8199}" type="datetimeFigureOut">
               <a:rPr lang="en-GB" smtClean="0"/>
-              <a:t>16/06/2024</a:t>
+              <a:t>17/06/2024</a:t>
             </a:fld>
             <a:endParaRPr lang="en-GB"/>
           </a:p>
@@ -800,7 +805,7 @@
           <a:p>
             <a:fld id="{0E347099-C581-4EAA-B28C-D76FEE9E8199}" type="datetimeFigureOut">
               <a:rPr lang="en-GB" smtClean="0"/>
-              <a:t>16/06/2024</a:t>
+              <a:t>17/06/2024</a:t>
             </a:fld>
             <a:endParaRPr lang="en-GB"/>
           </a:p>
@@ -1061,7 +1066,7 @@
           <a:p>
             <a:fld id="{0E347099-C581-4EAA-B28C-D76FEE9E8199}" type="datetimeFigureOut">
               <a:rPr lang="en-GB" smtClean="0"/>
-              <a:t>16/06/2024</a:t>
+              <a:t>17/06/2024</a:t>
             </a:fld>
             <a:endParaRPr lang="en-GB"/>
           </a:p>
@@ -1485,7 +1490,7 @@
           <a:p>
             <a:fld id="{0E347099-C581-4EAA-B28C-D76FEE9E8199}" type="datetimeFigureOut">
               <a:rPr lang="en-GB" smtClean="0"/>
-              <a:t>16/06/2024</a:t>
+              <a:t>17/06/2024</a:t>
             </a:fld>
             <a:endParaRPr lang="en-GB"/>
           </a:p>
@@ -2022,7 +2027,7 @@
           <a:p>
             <a:fld id="{0E347099-C581-4EAA-B28C-D76FEE9E8199}" type="datetimeFigureOut">
               <a:rPr lang="en-GB" smtClean="0"/>
-              <a:t>16/06/2024</a:t>
+              <a:t>17/06/2024</a:t>
             </a:fld>
             <a:endParaRPr lang="en-GB"/>
           </a:p>
@@ -2886,7 +2891,7 @@
           <a:p>
             <a:fld id="{0E347099-C581-4EAA-B28C-D76FEE9E8199}" type="datetimeFigureOut">
               <a:rPr lang="en-GB" smtClean="0"/>
-              <a:t>16/06/2024</a:t>
+              <a:t>17/06/2024</a:t>
             </a:fld>
             <a:endParaRPr lang="en-GB"/>
           </a:p>
@@ -3056,7 +3061,7 @@
           <a:p>
             <a:fld id="{0E347099-C581-4EAA-B28C-D76FEE9E8199}" type="datetimeFigureOut">
               <a:rPr lang="en-GB" smtClean="0"/>
-              <a:t>16/06/2024</a:t>
+              <a:t>17/06/2024</a:t>
             </a:fld>
             <a:endParaRPr lang="en-GB"/>
           </a:p>
@@ -3240,7 +3245,7 @@
           <a:p>
             <a:fld id="{0E347099-C581-4EAA-B28C-D76FEE9E8199}" type="datetimeFigureOut">
               <a:rPr lang="en-GB" smtClean="0"/>
-              <a:t>16/06/2024</a:t>
+              <a:t>17/06/2024</a:t>
             </a:fld>
             <a:endParaRPr lang="en-GB"/>
           </a:p>
@@ -3410,7 +3415,7 @@
           <a:p>
             <a:fld id="{0E347099-C581-4EAA-B28C-D76FEE9E8199}" type="datetimeFigureOut">
               <a:rPr lang="en-GB" smtClean="0"/>
-              <a:t>16/06/2024</a:t>
+              <a:t>17/06/2024</a:t>
             </a:fld>
             <a:endParaRPr lang="en-GB"/>
           </a:p>
@@ -3654,7 +3659,7 @@
           <a:p>
             <a:fld id="{0E347099-C581-4EAA-B28C-D76FEE9E8199}" type="datetimeFigureOut">
               <a:rPr lang="en-GB" smtClean="0"/>
-              <a:t>16/06/2024</a:t>
+              <a:t>17/06/2024</a:t>
             </a:fld>
             <a:endParaRPr lang="en-GB"/>
           </a:p>
@@ -3890,7 +3895,7 @@
           <a:p>
             <a:fld id="{0E347099-C581-4EAA-B28C-D76FEE9E8199}" type="datetimeFigureOut">
               <a:rPr lang="en-GB" smtClean="0"/>
-              <a:t>16/06/2024</a:t>
+              <a:t>17/06/2024</a:t>
             </a:fld>
             <a:endParaRPr lang="en-GB"/>
           </a:p>
@@ -4356,7 +4361,7 @@
           <a:p>
             <a:fld id="{0E347099-C581-4EAA-B28C-D76FEE9E8199}" type="datetimeFigureOut">
               <a:rPr lang="en-GB" smtClean="0"/>
-              <a:t>16/06/2024</a:t>
+              <a:t>17/06/2024</a:t>
             </a:fld>
             <a:endParaRPr lang="en-GB"/>
           </a:p>
@@ -4474,7 +4479,7 @@
           <a:p>
             <a:fld id="{0E347099-C581-4EAA-B28C-D76FEE9E8199}" type="datetimeFigureOut">
               <a:rPr lang="en-GB" smtClean="0"/>
-              <a:t>16/06/2024</a:t>
+              <a:t>17/06/2024</a:t>
             </a:fld>
             <a:endParaRPr lang="en-GB"/>
           </a:p>
@@ -4569,7 +4574,7 @@
           <a:p>
             <a:fld id="{0E347099-C581-4EAA-B28C-D76FEE9E8199}" type="datetimeFigureOut">
               <a:rPr lang="en-GB" smtClean="0"/>
-              <a:t>16/06/2024</a:t>
+              <a:t>17/06/2024</a:t>
             </a:fld>
             <a:endParaRPr lang="en-GB"/>
           </a:p>
@@ -4824,7 +4829,7 @@
           <a:p>
             <a:fld id="{0E347099-C581-4EAA-B28C-D76FEE9E8199}" type="datetimeFigureOut">
               <a:rPr lang="en-GB" smtClean="0"/>
-              <a:t>16/06/2024</a:t>
+              <a:t>17/06/2024</a:t>
             </a:fld>
             <a:endParaRPr lang="en-GB"/>
           </a:p>
@@ -5124,7 +5129,7 @@
           <a:p>
             <a:fld id="{0E347099-C581-4EAA-B28C-D76FEE9E8199}" type="datetimeFigureOut">
               <a:rPr lang="en-GB" smtClean="0"/>
-              <a:t>16/06/2024</a:t>
+              <a:t>17/06/2024</a:t>
             </a:fld>
             <a:endParaRPr lang="en-GB"/>
           </a:p>
@@ -5358,7 +5363,7 @@
           <a:p>
             <a:fld id="{0E347099-C581-4EAA-B28C-D76FEE9E8199}" type="datetimeFigureOut">
               <a:rPr lang="en-GB" smtClean="0"/>
-              <a:t>16/06/2024</a:t>
+              <a:t>17/06/2024</a:t>
             </a:fld>
             <a:endParaRPr lang="en-GB"/>
           </a:p>
@@ -6497,7 +6502,7 @@
           <a:p>
             <a:r>
               <a:rPr lang="en-US" dirty="0"/>
-              <a:t>The Passenger</a:t>
+              <a:t>Passengers</a:t>
             </a:r>
             <a:endParaRPr lang="en-GB" dirty="0"/>
           </a:p>
@@ -6588,6 +6593,199 @@
         <p:spPr>
           <a:xfrm>
             <a:off x="419672" y="1083742"/>
+            <a:ext cx="3229136" cy="1049867"/>
+          </a:xfrm>
+        </p:spPr>
+        <p:txBody>
+          <a:bodyPr/>
+          <a:lstStyle/>
+          <a:p>
+            <a:r>
+              <a:rPr lang="en-US" dirty="0"/>
+              <a:t>4. Sequence diagram (</a:t>
+            </a:r>
+            <a:r>
+              <a:rPr lang="en-US" dirty="0" err="1"/>
+              <a:t>cont</a:t>
+            </a:r>
+            <a:r>
+              <a:rPr lang="en-US" dirty="0"/>
+              <a:t>)</a:t>
+            </a:r>
+            <a:endParaRPr lang="en-GB" dirty="0"/>
+          </a:p>
+        </p:txBody>
+      </p:sp>
+      <p:sp>
+        <p:nvSpPr>
+          <p:cNvPr id="7" name="TextBox 6">
+            <a:extLst>
+              <a:ext uri="{FF2B5EF4-FFF2-40B4-BE49-F238E27FC236}">
+                <a16:creationId xmlns:a16="http://schemas.microsoft.com/office/drawing/2014/main" id="{1EFFF133-FB4C-AB56-39C5-D9C8E072740C}"/>
+              </a:ext>
+            </a:extLst>
+          </p:cNvPr>
+          <p:cNvSpPr txBox="1"/>
+          <p:nvPr/>
+        </p:nvSpPr>
+        <p:spPr>
+          <a:xfrm>
+            <a:off x="419672" y="1670511"/>
+            <a:ext cx="6097464" cy="369332"/>
+          </a:xfrm>
+          <a:prstGeom prst="rect">
+            <a:avLst/>
+          </a:prstGeom>
+          <a:noFill/>
+        </p:spPr>
+        <p:txBody>
+          <a:bodyPr wrap="square">
+            <a:spAutoFit/>
+          </a:bodyPr>
+          <a:lstStyle/>
+          <a:p>
+            <a:r>
+              <a:rPr lang="en-US" sz="1800" b="1" kern="0" dirty="0">
+                <a:solidFill>
+                  <a:srgbClr val="7D96AC"/>
+                </a:solidFill>
+                <a:effectLst/>
+                <a:latin typeface="Carlito"/>
+                <a:ea typeface="Caladea"/>
+                <a:cs typeface="Caladea"/>
+              </a:rPr>
+              <a:t>Finding available room feature</a:t>
+            </a:r>
+            <a:endParaRPr lang="en-GB" dirty="0"/>
+          </a:p>
+        </p:txBody>
+      </p:sp>
+      <p:pic>
+        <p:nvPicPr>
+          <p:cNvPr id="8" name="Picture 7" descr="A screenshot of a computer&#10;&#10;Description automatically generated">
+            <a:extLst>
+              <a:ext uri="{FF2B5EF4-FFF2-40B4-BE49-F238E27FC236}">
+                <a16:creationId xmlns:a16="http://schemas.microsoft.com/office/drawing/2014/main" id="{B73303D7-882D-6A70-9CAB-B70747E5960E}"/>
+              </a:ext>
+            </a:extLst>
+          </p:cNvPr>
+          <p:cNvPicPr>
+            <a:picLocks noChangeAspect="1"/>
+          </p:cNvPicPr>
+          <p:nvPr/>
+        </p:nvPicPr>
+        <p:blipFill>
+          <a:blip r:embed="rId2">
+            <a:extLst>
+              <a:ext uri="{28A0092B-C50C-407E-A947-70E740481C1C}">
+                <a14:useLocalDpi xmlns:a14="http://schemas.microsoft.com/office/drawing/2010/main" val="0"/>
+              </a:ext>
+            </a:extLst>
+          </a:blip>
+          <a:srcRect/>
+          <a:stretch>
+            <a:fillRect/>
+          </a:stretch>
+        </p:blipFill>
+        <p:spPr bwMode="auto">
+          <a:xfrm>
+            <a:off x="3763108" y="1855177"/>
+            <a:ext cx="6439343" cy="4409040"/>
+          </a:xfrm>
+          <a:prstGeom prst="rect">
+            <a:avLst/>
+          </a:prstGeom>
+          <a:noFill/>
+          <a:ln>
+            <a:noFill/>
+          </a:ln>
+        </p:spPr>
+      </p:pic>
+    </p:spTree>
+    <p:extLst>
+      <p:ext uri="{BB962C8B-B14F-4D97-AF65-F5344CB8AC3E}">
+        <p14:creationId xmlns:p14="http://schemas.microsoft.com/office/powerpoint/2010/main" val="3958450411"/>
+      </p:ext>
+    </p:extLst>
+  </p:cSld>
+  <p:clrMapOvr>
+    <a:masterClrMapping/>
+  </p:clrMapOvr>
+</p:sld>
+</file>
+
+<file path=ppt/slides/slide11.xml><?xml version="1.0" encoding="utf-8"?>
+<p:sld xmlns:a="http://schemas.openxmlformats.org/drawingml/2006/main" xmlns:r="http://schemas.openxmlformats.org/officeDocument/2006/relationships" xmlns:p="http://schemas.openxmlformats.org/presentationml/2006/main">
+  <p:cSld>
+    <p:spTree>
+      <p:nvGrpSpPr>
+        <p:cNvPr id="1" name=""/>
+        <p:cNvGrpSpPr/>
+        <p:nvPr/>
+      </p:nvGrpSpPr>
+      <p:grpSpPr>
+        <a:xfrm>
+          <a:off x="0" y="0"/>
+          <a:ext cx="0" cy="0"/>
+          <a:chOff x="0" y="0"/>
+          <a:chExt cx="0" cy="0"/>
+        </a:xfrm>
+      </p:grpSpPr>
+      <p:sp>
+        <p:nvSpPr>
+          <p:cNvPr id="2" name="Title 1">
+            <a:extLst>
+              <a:ext uri="{FF2B5EF4-FFF2-40B4-BE49-F238E27FC236}">
+                <a16:creationId xmlns:a16="http://schemas.microsoft.com/office/drawing/2014/main" id="{5AC686E9-6FAB-D4E8-D409-DCF9DD88F55A}"/>
+              </a:ext>
+            </a:extLst>
+          </p:cNvPr>
+          <p:cNvSpPr>
+            <a:spLocks noGrp="1"/>
+          </p:cNvSpPr>
+          <p:nvPr>
+            <p:ph type="ctrTitle"/>
+          </p:nvPr>
+        </p:nvSpPr>
+        <p:spPr>
+          <a:xfrm>
+            <a:off x="105508" y="211016"/>
+            <a:ext cx="6453554" cy="872726"/>
+          </a:xfrm>
+        </p:spPr>
+        <p:txBody>
+          <a:bodyPr>
+            <a:normAutofit fontScale="90000"/>
+          </a:bodyPr>
+          <a:lstStyle/>
+          <a:p>
+            <a:r>
+              <a:rPr lang="en-US" dirty="0"/>
+              <a:t>II. Analysis &amp; Design</a:t>
+            </a:r>
+            <a:endParaRPr lang="en-GB" dirty="0"/>
+          </a:p>
+        </p:txBody>
+      </p:sp>
+      <p:sp>
+        <p:nvSpPr>
+          <p:cNvPr id="5" name="Subtitle 2">
+            <a:extLst>
+              <a:ext uri="{FF2B5EF4-FFF2-40B4-BE49-F238E27FC236}">
+                <a16:creationId xmlns:a16="http://schemas.microsoft.com/office/drawing/2014/main" id="{71A00EC3-A96E-B8EE-1B75-77CC632A8FDF}"/>
+              </a:ext>
+            </a:extLst>
+          </p:cNvPr>
+          <p:cNvSpPr>
+            <a:spLocks noGrp="1"/>
+          </p:cNvSpPr>
+          <p:nvPr>
+            <p:ph type="subTitle" idx="1"/>
+          </p:nvPr>
+        </p:nvSpPr>
+        <p:spPr>
+          <a:xfrm>
+            <a:off x="419672" y="1083742"/>
             <a:ext cx="2297151" cy="1049867"/>
           </a:xfrm>
         </p:spPr>
@@ -6597,7 +6795,7 @@
           <a:p>
             <a:r>
               <a:rPr lang="en-US" dirty="0"/>
-              <a:t>3. Design structure</a:t>
+              <a:t>5. Design structure</a:t>
             </a:r>
             <a:endParaRPr lang="en-GB" dirty="0"/>
           </a:p>
@@ -6632,7 +6830,7 @@
         </p:blipFill>
         <p:spPr bwMode="auto">
           <a:xfrm>
-            <a:off x="3711319" y="1274884"/>
+            <a:off x="3825619" y="1301261"/>
             <a:ext cx="4769362" cy="4909332"/>
           </a:xfrm>
           <a:prstGeom prst="rect">
@@ -6642,6 +6840,66 @@
           <a:ln>
             <a:noFill/>
           </a:ln>
+        </p:spPr>
+      </p:pic>
+      <p:pic>
+        <p:nvPicPr>
+          <p:cNvPr id="6" name="Picture 5">
+            <a:extLst>
+              <a:ext uri="{FF2B5EF4-FFF2-40B4-BE49-F238E27FC236}">
+                <a16:creationId xmlns:a16="http://schemas.microsoft.com/office/drawing/2014/main" id="{8A954257-45CA-C902-4ED3-AA3F067A5614}"/>
+              </a:ext>
+            </a:extLst>
+          </p:cNvPr>
+          <p:cNvPicPr>
+            <a:picLocks noChangeAspect="1"/>
+          </p:cNvPicPr>
+          <p:nvPr/>
+        </p:nvPicPr>
+        <p:blipFill>
+          <a:blip r:embed="rId3"/>
+          <a:stretch>
+            <a:fillRect/>
+          </a:stretch>
+        </p:blipFill>
+        <p:spPr>
+          <a:xfrm>
+            <a:off x="419672" y="1881554"/>
+            <a:ext cx="2927481" cy="4173898"/>
+          </a:xfrm>
+          <a:prstGeom prst="rect">
+            <a:avLst/>
+          </a:prstGeom>
+        </p:spPr>
+      </p:pic>
+      <p:pic>
+        <p:nvPicPr>
+          <p:cNvPr id="8" name="Picture 7">
+            <a:extLst>
+              <a:ext uri="{FF2B5EF4-FFF2-40B4-BE49-F238E27FC236}">
+                <a16:creationId xmlns:a16="http://schemas.microsoft.com/office/drawing/2014/main" id="{47D8AD64-B932-9D36-7D98-BB86ABA1F58E}"/>
+              </a:ext>
+            </a:extLst>
+          </p:cNvPr>
+          <p:cNvPicPr>
+            <a:picLocks noChangeAspect="1"/>
+          </p:cNvPicPr>
+          <p:nvPr/>
+        </p:nvPicPr>
+        <p:blipFill>
+          <a:blip r:embed="rId4"/>
+          <a:stretch>
+            <a:fillRect/>
+          </a:stretch>
+        </p:blipFill>
+        <p:spPr>
+          <a:xfrm>
+            <a:off x="8656527" y="2155232"/>
+            <a:ext cx="3433614" cy="3201389"/>
+          </a:xfrm>
+          <a:prstGeom prst="rect">
+            <a:avLst/>
+          </a:prstGeom>
         </p:spPr>
       </p:pic>
     </p:spTree>
@@ -6657,7 +6915,403 @@
 </p:sld>
 </file>
 
-<file path=ppt/slides/slide11.xml><?xml version="1.0" encoding="utf-8"?>
+<file path=ppt/slides/slide12.xml><?xml version="1.0" encoding="utf-8"?>
+<p:sld xmlns:a="http://schemas.openxmlformats.org/drawingml/2006/main" xmlns:r="http://schemas.openxmlformats.org/officeDocument/2006/relationships" xmlns:p="http://schemas.openxmlformats.org/presentationml/2006/main">
+  <p:cSld>
+    <p:spTree>
+      <p:nvGrpSpPr>
+        <p:cNvPr id="1" name=""/>
+        <p:cNvGrpSpPr/>
+        <p:nvPr/>
+      </p:nvGrpSpPr>
+      <p:grpSpPr>
+        <a:xfrm>
+          <a:off x="0" y="0"/>
+          <a:ext cx="0" cy="0"/>
+          <a:chOff x="0" y="0"/>
+          <a:chExt cx="0" cy="0"/>
+        </a:xfrm>
+      </p:grpSpPr>
+      <p:sp>
+        <p:nvSpPr>
+          <p:cNvPr id="2" name="Title 1">
+            <a:extLst>
+              <a:ext uri="{FF2B5EF4-FFF2-40B4-BE49-F238E27FC236}">
+                <a16:creationId xmlns:a16="http://schemas.microsoft.com/office/drawing/2014/main" id="{5AC686E9-6FAB-D4E8-D409-DCF9DD88F55A}"/>
+              </a:ext>
+            </a:extLst>
+          </p:cNvPr>
+          <p:cNvSpPr>
+            <a:spLocks noGrp="1"/>
+          </p:cNvSpPr>
+          <p:nvPr>
+            <p:ph type="ctrTitle"/>
+          </p:nvPr>
+        </p:nvSpPr>
+        <p:spPr>
+          <a:xfrm>
+            <a:off x="105508" y="211016"/>
+            <a:ext cx="6453554" cy="872726"/>
+          </a:xfrm>
+        </p:spPr>
+        <p:txBody>
+          <a:bodyPr>
+            <a:normAutofit fontScale="90000"/>
+          </a:bodyPr>
+          <a:lstStyle/>
+          <a:p>
+            <a:r>
+              <a:rPr lang="en-US" dirty="0"/>
+              <a:t>II. Analysis &amp; Design</a:t>
+            </a:r>
+            <a:endParaRPr lang="en-GB" dirty="0"/>
+          </a:p>
+        </p:txBody>
+      </p:sp>
+      <p:sp>
+        <p:nvSpPr>
+          <p:cNvPr id="5" name="Subtitle 2">
+            <a:extLst>
+              <a:ext uri="{FF2B5EF4-FFF2-40B4-BE49-F238E27FC236}">
+                <a16:creationId xmlns:a16="http://schemas.microsoft.com/office/drawing/2014/main" id="{71A00EC3-A96E-B8EE-1B75-77CC632A8FDF}"/>
+              </a:ext>
+            </a:extLst>
+          </p:cNvPr>
+          <p:cNvSpPr>
+            <a:spLocks noGrp="1"/>
+          </p:cNvSpPr>
+          <p:nvPr>
+            <p:ph type="subTitle" idx="1"/>
+          </p:nvPr>
+        </p:nvSpPr>
+        <p:spPr>
+          <a:xfrm>
+            <a:off x="419672" y="1083742"/>
+            <a:ext cx="2927481" cy="1049867"/>
+          </a:xfrm>
+        </p:spPr>
+        <p:txBody>
+          <a:bodyPr/>
+          <a:lstStyle/>
+          <a:p>
+            <a:r>
+              <a:rPr lang="en-US" dirty="0"/>
+              <a:t>5. Design structure (</a:t>
+            </a:r>
+            <a:r>
+              <a:rPr lang="en-US" dirty="0" err="1"/>
+              <a:t>cont</a:t>
+            </a:r>
+            <a:r>
+              <a:rPr lang="en-US" dirty="0"/>
+              <a:t>)</a:t>
+            </a:r>
+            <a:endParaRPr lang="en-GB" dirty="0"/>
+          </a:p>
+        </p:txBody>
+      </p:sp>
+      <p:pic>
+        <p:nvPicPr>
+          <p:cNvPr id="16" name="Picture 15">
+            <a:extLst>
+              <a:ext uri="{FF2B5EF4-FFF2-40B4-BE49-F238E27FC236}">
+                <a16:creationId xmlns:a16="http://schemas.microsoft.com/office/drawing/2014/main" id="{43CED8BA-DDA5-19EF-BBF9-E0848C3E4E0B}"/>
+              </a:ext>
+            </a:extLst>
+          </p:cNvPr>
+          <p:cNvPicPr>
+            <a:picLocks noChangeAspect="1"/>
+          </p:cNvPicPr>
+          <p:nvPr/>
+        </p:nvPicPr>
+        <p:blipFill>
+          <a:blip r:embed="rId2"/>
+          <a:stretch>
+            <a:fillRect/>
+          </a:stretch>
+        </p:blipFill>
+        <p:spPr>
+          <a:xfrm>
+            <a:off x="6426604" y="1151793"/>
+            <a:ext cx="3893151" cy="5345722"/>
+          </a:xfrm>
+          <a:prstGeom prst="rect">
+            <a:avLst/>
+          </a:prstGeom>
+        </p:spPr>
+      </p:pic>
+      <p:pic>
+        <p:nvPicPr>
+          <p:cNvPr id="18" name="Picture 17">
+            <a:extLst>
+              <a:ext uri="{FF2B5EF4-FFF2-40B4-BE49-F238E27FC236}">
+                <a16:creationId xmlns:a16="http://schemas.microsoft.com/office/drawing/2014/main" id="{1345104B-89FE-5638-3C84-BA9D3BC6CDF1}"/>
+              </a:ext>
+            </a:extLst>
+          </p:cNvPr>
+          <p:cNvPicPr>
+            <a:picLocks noChangeAspect="1"/>
+          </p:cNvPicPr>
+          <p:nvPr/>
+        </p:nvPicPr>
+        <p:blipFill>
+          <a:blip r:embed="rId3"/>
+          <a:stretch>
+            <a:fillRect/>
+          </a:stretch>
+        </p:blipFill>
+        <p:spPr>
+          <a:xfrm>
+            <a:off x="1412729" y="1977491"/>
+            <a:ext cx="3839111" cy="2057687"/>
+          </a:xfrm>
+          <a:prstGeom prst="rect">
+            <a:avLst/>
+          </a:prstGeom>
+        </p:spPr>
+      </p:pic>
+      <p:pic>
+        <p:nvPicPr>
+          <p:cNvPr id="22" name="Picture 21">
+            <a:extLst>
+              <a:ext uri="{FF2B5EF4-FFF2-40B4-BE49-F238E27FC236}">
+                <a16:creationId xmlns:a16="http://schemas.microsoft.com/office/drawing/2014/main" id="{A32222B3-2A3D-A42C-2470-BBBBF8C012FE}"/>
+              </a:ext>
+            </a:extLst>
+          </p:cNvPr>
+          <p:cNvPicPr>
+            <a:picLocks noChangeAspect="1"/>
+          </p:cNvPicPr>
+          <p:nvPr/>
+        </p:nvPicPr>
+        <p:blipFill>
+          <a:blip r:embed="rId4"/>
+          <a:stretch>
+            <a:fillRect/>
+          </a:stretch>
+        </p:blipFill>
+        <p:spPr>
+          <a:xfrm>
+            <a:off x="890260" y="4320550"/>
+            <a:ext cx="4696480" cy="1962424"/>
+          </a:xfrm>
+          <a:prstGeom prst="rect">
+            <a:avLst/>
+          </a:prstGeom>
+        </p:spPr>
+      </p:pic>
+    </p:spTree>
+    <p:extLst>
+      <p:ext uri="{BB962C8B-B14F-4D97-AF65-F5344CB8AC3E}">
+        <p14:creationId xmlns:p14="http://schemas.microsoft.com/office/powerpoint/2010/main" val="2617283853"/>
+      </p:ext>
+    </p:extLst>
+  </p:cSld>
+  <p:clrMapOvr>
+    <a:masterClrMapping/>
+  </p:clrMapOvr>
+</p:sld>
+</file>
+
+<file path=ppt/slides/slide13.xml><?xml version="1.0" encoding="utf-8"?>
+<p:sld xmlns:a="http://schemas.openxmlformats.org/drawingml/2006/main" xmlns:r="http://schemas.openxmlformats.org/officeDocument/2006/relationships" xmlns:p="http://schemas.openxmlformats.org/presentationml/2006/main">
+  <p:cSld>
+    <p:spTree>
+      <p:nvGrpSpPr>
+        <p:cNvPr id="1" name=""/>
+        <p:cNvGrpSpPr/>
+        <p:nvPr/>
+      </p:nvGrpSpPr>
+      <p:grpSpPr>
+        <a:xfrm>
+          <a:off x="0" y="0"/>
+          <a:ext cx="0" cy="0"/>
+          <a:chOff x="0" y="0"/>
+          <a:chExt cx="0" cy="0"/>
+        </a:xfrm>
+      </p:grpSpPr>
+      <p:sp>
+        <p:nvSpPr>
+          <p:cNvPr id="2" name="Title 1">
+            <a:extLst>
+              <a:ext uri="{FF2B5EF4-FFF2-40B4-BE49-F238E27FC236}">
+                <a16:creationId xmlns:a16="http://schemas.microsoft.com/office/drawing/2014/main" id="{5AC686E9-6FAB-D4E8-D409-DCF9DD88F55A}"/>
+              </a:ext>
+            </a:extLst>
+          </p:cNvPr>
+          <p:cNvSpPr>
+            <a:spLocks noGrp="1"/>
+          </p:cNvSpPr>
+          <p:nvPr>
+            <p:ph type="ctrTitle"/>
+          </p:nvPr>
+        </p:nvSpPr>
+        <p:spPr>
+          <a:xfrm>
+            <a:off x="105508" y="211016"/>
+            <a:ext cx="6453554" cy="872726"/>
+          </a:xfrm>
+        </p:spPr>
+        <p:txBody>
+          <a:bodyPr>
+            <a:normAutofit fontScale="90000"/>
+          </a:bodyPr>
+          <a:lstStyle/>
+          <a:p>
+            <a:r>
+              <a:rPr lang="en-US" dirty="0"/>
+              <a:t>II. Analysis &amp; Design</a:t>
+            </a:r>
+            <a:endParaRPr lang="en-GB" dirty="0"/>
+          </a:p>
+        </p:txBody>
+      </p:sp>
+      <p:sp>
+        <p:nvSpPr>
+          <p:cNvPr id="5" name="Subtitle 2">
+            <a:extLst>
+              <a:ext uri="{FF2B5EF4-FFF2-40B4-BE49-F238E27FC236}">
+                <a16:creationId xmlns:a16="http://schemas.microsoft.com/office/drawing/2014/main" id="{71A00EC3-A96E-B8EE-1B75-77CC632A8FDF}"/>
+              </a:ext>
+            </a:extLst>
+          </p:cNvPr>
+          <p:cNvSpPr>
+            <a:spLocks noGrp="1"/>
+          </p:cNvSpPr>
+          <p:nvPr>
+            <p:ph type="subTitle" idx="1"/>
+          </p:nvPr>
+        </p:nvSpPr>
+        <p:spPr>
+          <a:xfrm>
+            <a:off x="419672" y="1083742"/>
+            <a:ext cx="2927481" cy="1049867"/>
+          </a:xfrm>
+        </p:spPr>
+        <p:txBody>
+          <a:bodyPr/>
+          <a:lstStyle/>
+          <a:p>
+            <a:r>
+              <a:rPr lang="en-US" dirty="0"/>
+              <a:t>5. Design structure (</a:t>
+            </a:r>
+            <a:r>
+              <a:rPr lang="en-US" dirty="0" err="1"/>
+              <a:t>cont</a:t>
+            </a:r>
+            <a:r>
+              <a:rPr lang="en-US" dirty="0"/>
+              <a:t>)</a:t>
+            </a:r>
+            <a:endParaRPr lang="en-GB" dirty="0"/>
+          </a:p>
+        </p:txBody>
+      </p:sp>
+      <p:pic>
+        <p:nvPicPr>
+          <p:cNvPr id="7" name="Picture 6">
+            <a:extLst>
+              <a:ext uri="{FF2B5EF4-FFF2-40B4-BE49-F238E27FC236}">
+                <a16:creationId xmlns:a16="http://schemas.microsoft.com/office/drawing/2014/main" id="{FE281ED4-0AD5-06A0-EF60-E5EEDD805C44}"/>
+              </a:ext>
+            </a:extLst>
+          </p:cNvPr>
+          <p:cNvPicPr>
+            <a:picLocks noChangeAspect="1"/>
+          </p:cNvPicPr>
+          <p:nvPr/>
+        </p:nvPicPr>
+        <p:blipFill>
+          <a:blip r:embed="rId2"/>
+          <a:stretch>
+            <a:fillRect/>
+          </a:stretch>
+        </p:blipFill>
+        <p:spPr>
+          <a:xfrm>
+            <a:off x="6559062" y="1334323"/>
+            <a:ext cx="5072879" cy="4923237"/>
+          </a:xfrm>
+          <a:prstGeom prst="rect">
+            <a:avLst/>
+          </a:prstGeom>
+        </p:spPr>
+      </p:pic>
+      <p:pic>
+        <p:nvPicPr>
+          <p:cNvPr id="8" name="Picture 7">
+            <a:extLst>
+              <a:ext uri="{FF2B5EF4-FFF2-40B4-BE49-F238E27FC236}">
+                <a16:creationId xmlns:a16="http://schemas.microsoft.com/office/drawing/2014/main" id="{06613093-420E-4A23-7AF5-FAE0529C00C4}"/>
+              </a:ext>
+            </a:extLst>
+          </p:cNvPr>
+          <p:cNvPicPr>
+            <a:picLocks noChangeAspect="1"/>
+          </p:cNvPicPr>
+          <p:nvPr/>
+        </p:nvPicPr>
+        <p:blipFill>
+          <a:blip r:embed="rId3"/>
+          <a:stretch>
+            <a:fillRect/>
+          </a:stretch>
+        </p:blipFill>
+        <p:spPr>
+          <a:xfrm>
+            <a:off x="419672" y="1839359"/>
+            <a:ext cx="5881167" cy="2073218"/>
+          </a:xfrm>
+          <a:prstGeom prst="rect">
+            <a:avLst/>
+          </a:prstGeom>
+        </p:spPr>
+      </p:pic>
+      <p:pic>
+        <p:nvPicPr>
+          <p:cNvPr id="10" name="Picture 9">
+            <a:extLst>
+              <a:ext uri="{FF2B5EF4-FFF2-40B4-BE49-F238E27FC236}">
+                <a16:creationId xmlns:a16="http://schemas.microsoft.com/office/drawing/2014/main" id="{D906D2E9-0FD3-24C3-0256-6E0DBF6EE658}"/>
+              </a:ext>
+            </a:extLst>
+          </p:cNvPr>
+          <p:cNvPicPr>
+            <a:picLocks noChangeAspect="1"/>
+          </p:cNvPicPr>
+          <p:nvPr/>
+        </p:nvPicPr>
+        <p:blipFill>
+          <a:blip r:embed="rId4"/>
+          <a:stretch>
+            <a:fillRect/>
+          </a:stretch>
+        </p:blipFill>
+        <p:spPr>
+          <a:xfrm>
+            <a:off x="419672" y="4217276"/>
+            <a:ext cx="5881167" cy="1497382"/>
+          </a:xfrm>
+          <a:prstGeom prst="rect">
+            <a:avLst/>
+          </a:prstGeom>
+        </p:spPr>
+      </p:pic>
+    </p:spTree>
+    <p:extLst>
+      <p:ext uri="{BB962C8B-B14F-4D97-AF65-F5344CB8AC3E}">
+        <p14:creationId xmlns:p14="http://schemas.microsoft.com/office/powerpoint/2010/main" val="1054811146"/>
+      </p:ext>
+    </p:extLst>
+  </p:cSld>
+  <p:clrMapOvr>
+    <a:masterClrMapping/>
+  </p:clrMapOvr>
+</p:sld>
+</file>
+
+<file path=ppt/slides/slide14.xml><?xml version="1.0" encoding="utf-8"?>
 <p:sld xmlns:a="http://schemas.openxmlformats.org/drawingml/2006/main" xmlns:r="http://schemas.openxmlformats.org/officeDocument/2006/relationships" xmlns:p="http://schemas.openxmlformats.org/presentationml/2006/main">
   <p:cSld>
     <p:spTree>
@@ -6823,7 +7477,181 @@
 </p:sld>
 </file>
 
-<file path=ppt/slides/slide12.xml><?xml version="1.0" encoding="utf-8"?>
+<file path=ppt/slides/slide15.xml><?xml version="1.0" encoding="utf-8"?>
+<p:sld xmlns:a="http://schemas.openxmlformats.org/drawingml/2006/main" xmlns:r="http://schemas.openxmlformats.org/officeDocument/2006/relationships" xmlns:p="http://schemas.openxmlformats.org/presentationml/2006/main">
+  <p:cSld>
+    <p:spTree>
+      <p:nvGrpSpPr>
+        <p:cNvPr id="1" name=""/>
+        <p:cNvGrpSpPr/>
+        <p:nvPr/>
+      </p:nvGrpSpPr>
+      <p:grpSpPr>
+        <a:xfrm>
+          <a:off x="0" y="0"/>
+          <a:ext cx="0" cy="0"/>
+          <a:chOff x="0" y="0"/>
+          <a:chExt cx="0" cy="0"/>
+        </a:xfrm>
+      </p:grpSpPr>
+      <p:sp>
+        <p:nvSpPr>
+          <p:cNvPr id="2" name="Title 1">
+            <a:extLst>
+              <a:ext uri="{FF2B5EF4-FFF2-40B4-BE49-F238E27FC236}">
+                <a16:creationId xmlns:a16="http://schemas.microsoft.com/office/drawing/2014/main" id="{5AC686E9-6FAB-D4E8-D409-DCF9DD88F55A}"/>
+              </a:ext>
+            </a:extLst>
+          </p:cNvPr>
+          <p:cNvSpPr>
+            <a:spLocks noGrp="1"/>
+          </p:cNvSpPr>
+          <p:nvPr>
+            <p:ph type="ctrTitle"/>
+          </p:nvPr>
+        </p:nvSpPr>
+        <p:spPr>
+          <a:xfrm>
+            <a:off x="105508" y="211016"/>
+            <a:ext cx="5990492" cy="872726"/>
+          </a:xfrm>
+        </p:spPr>
+        <p:txBody>
+          <a:bodyPr>
+            <a:normAutofit fontScale="90000"/>
+          </a:bodyPr>
+          <a:lstStyle/>
+          <a:p>
+            <a:r>
+              <a:rPr lang="en-US" dirty="0"/>
+              <a:t>III. Implementation</a:t>
+            </a:r>
+            <a:endParaRPr lang="en-GB" dirty="0"/>
+          </a:p>
+        </p:txBody>
+      </p:sp>
+      <p:sp>
+        <p:nvSpPr>
+          <p:cNvPr id="5" name="Subtitle 2">
+            <a:extLst>
+              <a:ext uri="{FF2B5EF4-FFF2-40B4-BE49-F238E27FC236}">
+                <a16:creationId xmlns:a16="http://schemas.microsoft.com/office/drawing/2014/main" id="{71A00EC3-A96E-B8EE-1B75-77CC632A8FDF}"/>
+              </a:ext>
+            </a:extLst>
+          </p:cNvPr>
+          <p:cNvSpPr>
+            <a:spLocks noGrp="1"/>
+          </p:cNvSpPr>
+          <p:nvPr>
+            <p:ph type="subTitle" idx="1"/>
+          </p:nvPr>
+        </p:nvSpPr>
+        <p:spPr>
+          <a:xfrm>
+            <a:off x="419671" y="1083742"/>
+            <a:ext cx="3264305" cy="1049867"/>
+          </a:xfrm>
+        </p:spPr>
+        <p:txBody>
+          <a:bodyPr/>
+          <a:lstStyle/>
+          <a:p>
+            <a:r>
+              <a:rPr lang="en-US" dirty="0"/>
+              <a:t>1. Guest management (</a:t>
+            </a:r>
+            <a:r>
+              <a:rPr lang="en-US" dirty="0" err="1"/>
+              <a:t>cont</a:t>
+            </a:r>
+            <a:r>
+              <a:rPr lang="en-US" dirty="0"/>
+              <a:t>)</a:t>
+            </a:r>
+            <a:endParaRPr lang="en-GB" dirty="0"/>
+          </a:p>
+        </p:txBody>
+      </p:sp>
+      <p:pic>
+        <p:nvPicPr>
+          <p:cNvPr id="4" name="Picture 3">
+            <a:extLst>
+              <a:ext uri="{FF2B5EF4-FFF2-40B4-BE49-F238E27FC236}">
+                <a16:creationId xmlns:a16="http://schemas.microsoft.com/office/drawing/2014/main" id="{E9909E6C-6187-E973-4CD2-C61FC8F54922}"/>
+              </a:ext>
+            </a:extLst>
+          </p:cNvPr>
+          <p:cNvPicPr>
+            <a:picLocks noChangeAspect="1"/>
+          </p:cNvPicPr>
+          <p:nvPr/>
+        </p:nvPicPr>
+        <p:blipFill>
+          <a:blip r:embed="rId2">
+            <a:extLst>
+              <a:ext uri="{28A0092B-C50C-407E-A947-70E740481C1C}">
+                <a14:useLocalDpi xmlns:a14="http://schemas.microsoft.com/office/drawing/2010/main" val="0"/>
+              </a:ext>
+            </a:extLst>
+          </a:blip>
+          <a:stretch>
+            <a:fillRect/>
+          </a:stretch>
+        </p:blipFill>
+        <p:spPr>
+          <a:xfrm>
+            <a:off x="501162" y="1837968"/>
+            <a:ext cx="7121769" cy="4005995"/>
+          </a:xfrm>
+          <a:prstGeom prst="rect">
+            <a:avLst/>
+          </a:prstGeom>
+        </p:spPr>
+      </p:pic>
+      <p:pic>
+        <p:nvPicPr>
+          <p:cNvPr id="7" name="Picture 6">
+            <a:extLst>
+              <a:ext uri="{FF2B5EF4-FFF2-40B4-BE49-F238E27FC236}">
+                <a16:creationId xmlns:a16="http://schemas.microsoft.com/office/drawing/2014/main" id="{2B0871C7-3483-1E35-804A-5BF3BEAB33D7}"/>
+              </a:ext>
+            </a:extLst>
+          </p:cNvPr>
+          <p:cNvPicPr>
+            <a:picLocks noChangeAspect="1"/>
+          </p:cNvPicPr>
+          <p:nvPr/>
+        </p:nvPicPr>
+        <p:blipFill>
+          <a:blip r:embed="rId3"/>
+          <a:stretch>
+            <a:fillRect/>
+          </a:stretch>
+        </p:blipFill>
+        <p:spPr>
+          <a:xfrm>
+            <a:off x="7704422" y="2540977"/>
+            <a:ext cx="4417302" cy="2215510"/>
+          </a:xfrm>
+          <a:prstGeom prst="rect">
+            <a:avLst/>
+          </a:prstGeom>
+        </p:spPr>
+      </p:pic>
+    </p:spTree>
+    <p:extLst>
+      <p:ext uri="{BB962C8B-B14F-4D97-AF65-F5344CB8AC3E}">
+        <p14:creationId xmlns:p14="http://schemas.microsoft.com/office/powerpoint/2010/main" val="1197175339"/>
+      </p:ext>
+    </p:extLst>
+  </p:cSld>
+  <p:clrMapOvr>
+    <a:masterClrMapping/>
+  </p:clrMapOvr>
+</p:sld>
+</file>
+
+<file path=ppt/slides/slide16.xml><?xml version="1.0" encoding="utf-8"?>
 <p:sld xmlns:a="http://schemas.openxmlformats.org/drawingml/2006/main" xmlns:r="http://schemas.openxmlformats.org/officeDocument/2006/relationships" xmlns:p="http://schemas.openxmlformats.org/presentationml/2006/main">
   <p:cSld>
     <p:spTree>
@@ -6983,7 +7811,7 @@
 </p:sld>
 </file>
 
-<file path=ppt/slides/slide13.xml><?xml version="1.0" encoding="utf-8"?>
+<file path=ppt/slides/slide17.xml><?xml version="1.0" encoding="utf-8"?>
 <p:sld xmlns:a="http://schemas.openxmlformats.org/drawingml/2006/main" xmlns:r="http://schemas.openxmlformats.org/officeDocument/2006/relationships" xmlns:p="http://schemas.openxmlformats.org/presentationml/2006/main">
   <p:cSld>
     <p:spTree>
@@ -7143,7 +7971,7 @@
 </p:sld>
 </file>
 
-<file path=ppt/slides/slide14.xml><?xml version="1.0" encoding="utf-8"?>
+<file path=ppt/slides/slide18.xml><?xml version="1.0" encoding="utf-8"?>
 <p:sld xmlns:a="http://schemas.openxmlformats.org/drawingml/2006/main" xmlns:r="http://schemas.openxmlformats.org/officeDocument/2006/relationships" xmlns:p="http://schemas.openxmlformats.org/presentationml/2006/main">
   <p:cSld>
     <p:spTree>
@@ -7224,11 +8052,7 @@
           <a:p>
             <a:r>
               <a:rPr lang="en-US" dirty="0"/>
-              <a:t>3. Check room </a:t>
-            </a:r>
-            <a:r>
-              <a:rPr lang="en-US" dirty="0" err="1"/>
-              <a:t>infomation</a:t>
+              <a:t>4. Finding available room</a:t>
             </a:r>
             <a:endParaRPr lang="en-GB" dirty="0"/>
           </a:p>
@@ -7236,10 +8060,10 @@
       </p:sp>
       <p:pic>
         <p:nvPicPr>
-          <p:cNvPr id="7" name="Picture 6">
+          <p:cNvPr id="4" name="Picture 3">
             <a:extLst>
               <a:ext uri="{FF2B5EF4-FFF2-40B4-BE49-F238E27FC236}">
-                <a16:creationId xmlns:a16="http://schemas.microsoft.com/office/drawing/2014/main" id="{9B58BA2F-7847-0508-43A1-41C20530EA70}"/>
+                <a16:creationId xmlns:a16="http://schemas.microsoft.com/office/drawing/2014/main" id="{8BADB556-D2CB-7BD2-5DF0-739D7E4B9D89}"/>
               </a:ext>
             </a:extLst>
           </p:cNvPr>
@@ -7249,15 +8073,51 @@
           <p:nvPr/>
         </p:nvPicPr>
         <p:blipFill>
-          <a:blip r:embed="rId2"/>
+          <a:blip r:embed="rId2">
+            <a:extLst>
+              <a:ext uri="{28A0092B-C50C-407E-A947-70E740481C1C}">
+                <a14:useLocalDpi xmlns:a14="http://schemas.microsoft.com/office/drawing/2010/main" val="0"/>
+              </a:ext>
+            </a:extLst>
+          </a:blip>
           <a:stretch>
             <a:fillRect/>
           </a:stretch>
         </p:blipFill>
         <p:spPr>
           <a:xfrm>
-            <a:off x="5243252" y="2077066"/>
-            <a:ext cx="6546987" cy="3723771"/>
+            <a:off x="485124" y="2013273"/>
+            <a:ext cx="6674337" cy="3754315"/>
+          </a:xfrm>
+          <a:prstGeom prst="rect">
+            <a:avLst/>
+          </a:prstGeom>
+        </p:spPr>
+      </p:pic>
+      <p:pic>
+        <p:nvPicPr>
+          <p:cNvPr id="8" name="Picture 7">
+            <a:extLst>
+              <a:ext uri="{FF2B5EF4-FFF2-40B4-BE49-F238E27FC236}">
+                <a16:creationId xmlns:a16="http://schemas.microsoft.com/office/drawing/2014/main" id="{79344561-D394-60B1-DBB3-AAA0F0AB4974}"/>
+              </a:ext>
+            </a:extLst>
+          </p:cNvPr>
+          <p:cNvPicPr>
+            <a:picLocks noChangeAspect="1"/>
+          </p:cNvPicPr>
+          <p:nvPr/>
+        </p:nvPicPr>
+        <p:blipFill>
+          <a:blip r:embed="rId3"/>
+          <a:stretch>
+            <a:fillRect/>
+          </a:stretch>
+        </p:blipFill>
+        <p:spPr>
+          <a:xfrm>
+            <a:off x="7295854" y="2682193"/>
+            <a:ext cx="4411022" cy="2416474"/>
           </a:xfrm>
           <a:prstGeom prst="rect">
             <a:avLst/>
@@ -7268,6 +8128,72 @@
     <p:extLst>
       <p:ext uri="{BB962C8B-B14F-4D97-AF65-F5344CB8AC3E}">
         <p14:creationId xmlns:p14="http://schemas.microsoft.com/office/powerpoint/2010/main" val="459383653"/>
+      </p:ext>
+    </p:extLst>
+  </p:cSld>
+  <p:clrMapOvr>
+    <a:masterClrMapping/>
+  </p:clrMapOvr>
+</p:sld>
+</file>
+
+<file path=ppt/slides/slide19.xml><?xml version="1.0" encoding="utf-8"?>
+<p:sld xmlns:a="http://schemas.openxmlformats.org/drawingml/2006/main" xmlns:r="http://schemas.openxmlformats.org/officeDocument/2006/relationships" xmlns:p="http://schemas.openxmlformats.org/presentationml/2006/main">
+  <p:cSld>
+    <p:spTree>
+      <p:nvGrpSpPr>
+        <p:cNvPr id="1" name=""/>
+        <p:cNvGrpSpPr/>
+        <p:nvPr/>
+      </p:nvGrpSpPr>
+      <p:grpSpPr>
+        <a:xfrm>
+          <a:off x="0" y="0"/>
+          <a:ext cx="0" cy="0"/>
+          <a:chOff x="0" y="0"/>
+          <a:chExt cx="0" cy="0"/>
+        </a:xfrm>
+      </p:grpSpPr>
+      <p:sp>
+        <p:nvSpPr>
+          <p:cNvPr id="2" name="Title 1">
+            <a:extLst>
+              <a:ext uri="{FF2B5EF4-FFF2-40B4-BE49-F238E27FC236}">
+                <a16:creationId xmlns:a16="http://schemas.microsoft.com/office/drawing/2014/main" id="{5AC686E9-6FAB-D4E8-D409-DCF9DD88F55A}"/>
+              </a:ext>
+            </a:extLst>
+          </p:cNvPr>
+          <p:cNvSpPr>
+            <a:spLocks noGrp="1"/>
+          </p:cNvSpPr>
+          <p:nvPr>
+            <p:ph type="ctrTitle"/>
+          </p:nvPr>
+        </p:nvSpPr>
+        <p:spPr>
+          <a:xfrm>
+            <a:off x="3100754" y="2795954"/>
+            <a:ext cx="5990492" cy="872726"/>
+          </a:xfrm>
+        </p:spPr>
+        <p:txBody>
+          <a:bodyPr>
+            <a:normAutofit fontScale="90000"/>
+          </a:bodyPr>
+          <a:lstStyle/>
+          <a:p>
+            <a:r>
+              <a:rPr lang="en-US" dirty="0"/>
+              <a:t>IV. Demo</a:t>
+            </a:r>
+            <a:endParaRPr lang="en-GB" dirty="0"/>
+          </a:p>
+        </p:txBody>
+      </p:sp>
+    </p:spTree>
+    <p:extLst>
+      <p:ext uri="{BB962C8B-B14F-4D97-AF65-F5344CB8AC3E}">
+        <p14:creationId xmlns:p14="http://schemas.microsoft.com/office/powerpoint/2010/main" val="1253302337"/>
       </p:ext>
     </p:extLst>
   </p:cSld>
@@ -7933,10 +8859,10 @@
       </p:sp>
       <p:pic>
         <p:nvPicPr>
-          <p:cNvPr id="4" name="Picture 3">
+          <p:cNvPr id="3" name="Picture 2" descr="A diagram of a company structure&#10;&#10;Description automatically generated">
             <a:extLst>
               <a:ext uri="{FF2B5EF4-FFF2-40B4-BE49-F238E27FC236}">
-                <a16:creationId xmlns:a16="http://schemas.microsoft.com/office/drawing/2014/main" id="{432FF908-10C2-0970-28B7-1E85B262EE33}"/>
+                <a16:creationId xmlns:a16="http://schemas.microsoft.com/office/drawing/2014/main" id="{2FF5B554-2DAE-8463-8CC3-B6CCE9C255C1}"/>
               </a:ext>
             </a:extLst>
           </p:cNvPr>
@@ -7946,7 +8872,7 @@
           <p:nvPr/>
         </p:nvPicPr>
         <p:blipFill>
-          <a:blip r:embed="rId2" cstate="print">
+          <a:blip r:embed="rId2">
             <a:extLst>
               <a:ext uri="{28A0092B-C50C-407E-A947-70E740481C1C}">
                 <a14:useLocalDpi xmlns:a14="http://schemas.microsoft.com/office/drawing/2010/main" val="0"/>
@@ -7960,8 +8886,8 @@
         </p:blipFill>
         <p:spPr bwMode="auto">
           <a:xfrm>
-            <a:off x="6025661" y="1329396"/>
-            <a:ext cx="4152265" cy="4937760"/>
+            <a:off x="6500741" y="1182930"/>
+            <a:ext cx="4214495" cy="5248275"/>
           </a:xfrm>
           <a:prstGeom prst="rect">
             <a:avLst/>
@@ -7974,10 +8900,10 @@
       </p:pic>
       <p:pic>
         <p:nvPicPr>
-          <p:cNvPr id="6" name="Picture 5" descr="A diagram of a person with text&#10;&#10;Description automatically generated">
+          <p:cNvPr id="7" name="Picture 6" descr="A diagram of a room&#10;&#10;Description automatically generated">
             <a:extLst>
               <a:ext uri="{FF2B5EF4-FFF2-40B4-BE49-F238E27FC236}">
-                <a16:creationId xmlns:a16="http://schemas.microsoft.com/office/drawing/2014/main" id="{8EFE6C1A-2885-3D32-265F-013D2E63AC73}"/>
+                <a16:creationId xmlns:a16="http://schemas.microsoft.com/office/drawing/2014/main" id="{809F481C-3EFC-4DB1-C3E8-CE6A94FB8751}"/>
               </a:ext>
             </a:extLst>
           </p:cNvPr>
@@ -7987,7 +8913,7 @@
           <p:nvPr/>
         </p:nvPicPr>
         <p:blipFill>
-          <a:blip r:embed="rId3" cstate="print">
+          <a:blip r:embed="rId3">
             <a:extLst>
               <a:ext uri="{28A0092B-C50C-407E-A947-70E740481C1C}">
                 <a14:useLocalDpi xmlns:a14="http://schemas.microsoft.com/office/drawing/2010/main" val="0"/>
@@ -8001,8 +8927,8 @@
         </p:blipFill>
         <p:spPr bwMode="auto">
           <a:xfrm>
-            <a:off x="703385" y="2589554"/>
-            <a:ext cx="3962400" cy="2417445"/>
+            <a:off x="715401" y="2442992"/>
+            <a:ext cx="4975860" cy="2517140"/>
           </a:xfrm>
           <a:prstGeom prst="rect">
             <a:avLst/>
@@ -8283,8 +9209,8 @@
         </p:blipFill>
         <p:spPr bwMode="auto">
           <a:xfrm>
-            <a:off x="3481753" y="1212148"/>
-            <a:ext cx="4554415" cy="5151480"/>
+            <a:off x="3200400" y="1097708"/>
+            <a:ext cx="4906106" cy="5549276"/>
           </a:xfrm>
           <a:prstGeom prst="rect">
             <a:avLst/>
@@ -8397,10 +9323,10 @@
       </p:sp>
       <p:pic>
         <p:nvPicPr>
-          <p:cNvPr id="4" name="Picture 3" descr="A diagram of a company&#10;&#10;Description automatically generated">
+          <p:cNvPr id="3" name="Picture 2" descr="A diagram of a business&#10;&#10;Description automatically generated">
             <a:extLst>
               <a:ext uri="{FF2B5EF4-FFF2-40B4-BE49-F238E27FC236}">
-                <a16:creationId xmlns:a16="http://schemas.microsoft.com/office/drawing/2014/main" id="{92D508F9-7EA6-7478-620C-5E013B7B1B52}"/>
+                <a16:creationId xmlns:a16="http://schemas.microsoft.com/office/drawing/2014/main" id="{84C09FF6-9DEC-D541-1394-02FFEADE564E}"/>
               </a:ext>
             </a:extLst>
           </p:cNvPr>
@@ -8410,7 +9336,7 @@
           <p:nvPr/>
         </p:nvPicPr>
         <p:blipFill>
-          <a:blip r:embed="rId2" cstate="print">
+          <a:blip r:embed="rId2">
             <a:extLst>
               <a:ext uri="{28A0092B-C50C-407E-A947-70E740481C1C}">
                 <a14:useLocalDpi xmlns:a14="http://schemas.microsoft.com/office/drawing/2010/main" val="0"/>
@@ -8424,8 +9350,49 @@
         </p:blipFill>
         <p:spPr bwMode="auto">
           <a:xfrm>
-            <a:off x="4578155" y="954844"/>
-            <a:ext cx="2613660" cy="5692140"/>
+            <a:off x="787275" y="2119794"/>
+            <a:ext cx="4786360" cy="3503166"/>
+          </a:xfrm>
+          <a:prstGeom prst="rect">
+            <a:avLst/>
+          </a:prstGeom>
+          <a:noFill/>
+          <a:ln>
+            <a:noFill/>
+          </a:ln>
+        </p:spPr>
+      </p:pic>
+      <p:pic>
+        <p:nvPicPr>
+          <p:cNvPr id="6" name="Picture 5" descr="A diagram of a process&#10;&#10;Description automatically generated">
+            <a:extLst>
+              <a:ext uri="{FF2B5EF4-FFF2-40B4-BE49-F238E27FC236}">
+                <a16:creationId xmlns:a16="http://schemas.microsoft.com/office/drawing/2014/main" id="{A69A9614-53A4-74DF-31B4-62A3C659EC01}"/>
+              </a:ext>
+            </a:extLst>
+          </p:cNvPr>
+          <p:cNvPicPr>
+            <a:picLocks noChangeAspect="1"/>
+          </p:cNvPicPr>
+          <p:nvPr/>
+        </p:nvPicPr>
+        <p:blipFill>
+          <a:blip r:embed="rId3">
+            <a:extLst>
+              <a:ext uri="{28A0092B-C50C-407E-A947-70E740481C1C}">
+                <a14:useLocalDpi xmlns:a14="http://schemas.microsoft.com/office/drawing/2010/main" val="0"/>
+              </a:ext>
+            </a:extLst>
+          </a:blip>
+          <a:srcRect/>
+          <a:stretch>
+            <a:fillRect/>
+          </a:stretch>
+        </p:blipFill>
+        <p:spPr bwMode="auto">
+          <a:xfrm>
+            <a:off x="6096000" y="2119794"/>
+            <a:ext cx="4861268" cy="3558015"/>
           </a:xfrm>
           <a:prstGeom prst="rect">
             <a:avLst/>
